--- a/Prezentare_Souca_Tania.pptx
+++ b/Prezentare_Souca_Tania.pptx
@@ -273,7 +273,7 @@
           <a:p>
             <a:fld id="{C6BC2C5D-2613-4C18-9442-DE0AC8A45A9B}" type="datetimeFigureOut">
               <a:rPr lang="en-US" smtClean="0"/>
-              <a:t>7/11/2025</a:t>
+              <a:t>7/14/2025</a:t>
             </a:fld>
             <a:endParaRPr lang="en-US"/>
           </a:p>
@@ -471,7 +471,7 @@
           <a:p>
             <a:fld id="{C6BC2C5D-2613-4C18-9442-DE0AC8A45A9B}" type="datetimeFigureOut">
               <a:rPr lang="en-US" smtClean="0"/>
-              <a:t>7/11/2025</a:t>
+              <a:t>7/14/2025</a:t>
             </a:fld>
             <a:endParaRPr lang="en-US"/>
           </a:p>
@@ -679,7 +679,7 @@
           <a:p>
             <a:fld id="{C6BC2C5D-2613-4C18-9442-DE0AC8A45A9B}" type="datetimeFigureOut">
               <a:rPr lang="en-US" smtClean="0"/>
-              <a:t>7/11/2025</a:t>
+              <a:t>7/14/2025</a:t>
             </a:fld>
             <a:endParaRPr lang="en-US"/>
           </a:p>
@@ -877,7 +877,7 @@
           <a:p>
             <a:fld id="{C6BC2C5D-2613-4C18-9442-DE0AC8A45A9B}" type="datetimeFigureOut">
               <a:rPr lang="en-US" smtClean="0"/>
-              <a:t>7/11/2025</a:t>
+              <a:t>7/14/2025</a:t>
             </a:fld>
             <a:endParaRPr lang="en-US"/>
           </a:p>
@@ -1152,7 +1152,7 @@
           <a:p>
             <a:fld id="{C6BC2C5D-2613-4C18-9442-DE0AC8A45A9B}" type="datetimeFigureOut">
               <a:rPr lang="en-US" smtClean="0"/>
-              <a:t>7/11/2025</a:t>
+              <a:t>7/14/2025</a:t>
             </a:fld>
             <a:endParaRPr lang="en-US"/>
           </a:p>
@@ -1417,7 +1417,7 @@
           <a:p>
             <a:fld id="{C6BC2C5D-2613-4C18-9442-DE0AC8A45A9B}" type="datetimeFigureOut">
               <a:rPr lang="en-US" smtClean="0"/>
-              <a:t>7/11/2025</a:t>
+              <a:t>7/14/2025</a:t>
             </a:fld>
             <a:endParaRPr lang="en-US"/>
           </a:p>
@@ -1829,7 +1829,7 @@
           <a:p>
             <a:fld id="{C6BC2C5D-2613-4C18-9442-DE0AC8A45A9B}" type="datetimeFigureOut">
               <a:rPr lang="en-US" smtClean="0"/>
-              <a:t>7/11/2025</a:t>
+              <a:t>7/14/2025</a:t>
             </a:fld>
             <a:endParaRPr lang="en-US"/>
           </a:p>
@@ -1970,7 +1970,7 @@
           <a:p>
             <a:fld id="{C6BC2C5D-2613-4C18-9442-DE0AC8A45A9B}" type="datetimeFigureOut">
               <a:rPr lang="en-US" smtClean="0"/>
-              <a:t>7/11/2025</a:t>
+              <a:t>7/14/2025</a:t>
             </a:fld>
             <a:endParaRPr lang="en-US"/>
           </a:p>
@@ -2083,7 +2083,7 @@
           <a:p>
             <a:fld id="{C6BC2C5D-2613-4C18-9442-DE0AC8A45A9B}" type="datetimeFigureOut">
               <a:rPr lang="en-US" smtClean="0"/>
-              <a:t>7/11/2025</a:t>
+              <a:t>7/14/2025</a:t>
             </a:fld>
             <a:endParaRPr lang="en-US"/>
           </a:p>
@@ -2394,7 +2394,7 @@
           <a:p>
             <a:fld id="{C6BC2C5D-2613-4C18-9442-DE0AC8A45A9B}" type="datetimeFigureOut">
               <a:rPr lang="en-US" smtClean="0"/>
-              <a:t>7/11/2025</a:t>
+              <a:t>7/14/2025</a:t>
             </a:fld>
             <a:endParaRPr lang="en-US"/>
           </a:p>
@@ -2682,7 +2682,7 @@
           <a:p>
             <a:fld id="{C6BC2C5D-2613-4C18-9442-DE0AC8A45A9B}" type="datetimeFigureOut">
               <a:rPr lang="en-US" smtClean="0"/>
-              <a:t>7/11/2025</a:t>
+              <a:t>7/14/2025</a:t>
             </a:fld>
             <a:endParaRPr lang="en-US"/>
           </a:p>
@@ -2923,7 +2923,7 @@
           <a:p>
             <a:fld id="{C6BC2C5D-2613-4C18-9442-DE0AC8A45A9B}" type="datetimeFigureOut">
               <a:rPr lang="en-US" smtClean="0"/>
-              <a:t>7/11/2025</a:t>
+              <a:t>7/14/2025</a:t>
             </a:fld>
             <a:endParaRPr lang="en-US"/>
           </a:p>
@@ -3454,14 +3454,114 @@
           <a:p>
             <a:pPr algn="l"/>
             <a:r>
-              <a:rPr lang="ro-RO" sz="3000" i="1"/>
+              <a:rPr lang="ro-RO" sz="3000" i="1" dirty="0"/>
               <a:t>SchedCloud: Simulator bazat pe </a:t>
             </a:r>
             <a:r>
-              <a:rPr lang="en-US" sz="3000" i="1"/>
-              <a:t>CloudSim 7G pentru tehnici de alocare a sarcinilor în Cloud Computing în vederea îmbunătățirii performanței și eficienței energetice </a:t>
-            </a:r>
-            <a:endParaRPr lang="en-US" sz="3000"/>
+              <a:rPr lang="en-US" sz="3000" i="1" dirty="0" err="1"/>
+              <a:t>CloudSim</a:t>
+            </a:r>
+            <a:r>
+              <a:rPr lang="en-US" sz="3000" i="1" dirty="0"/>
+              <a:t> 7G </a:t>
+            </a:r>
+            <a:r>
+              <a:rPr lang="en-US" sz="3000" i="1" dirty="0" err="1"/>
+              <a:t>pentru</a:t>
+            </a:r>
+            <a:r>
+              <a:rPr lang="en-US" sz="3000" i="1" dirty="0"/>
+              <a:t> </a:t>
+            </a:r>
+            <a:r>
+              <a:rPr lang="en-US" sz="3000" i="1" dirty="0" err="1"/>
+              <a:t>tehnici</a:t>
+            </a:r>
+            <a:r>
+              <a:rPr lang="en-US" sz="3000" i="1" dirty="0"/>
+              <a:t> de </a:t>
+            </a:r>
+            <a:r>
+              <a:rPr lang="en-US" sz="3000" i="1" dirty="0" err="1"/>
+              <a:t>alocare</a:t>
+            </a:r>
+            <a:r>
+              <a:rPr lang="en-US" sz="3000" i="1" dirty="0"/>
+              <a:t> a </a:t>
+            </a:r>
+            <a:r>
+              <a:rPr lang="en-US" sz="3000" i="1" dirty="0" err="1"/>
+              <a:t>sarcinilor</a:t>
+            </a:r>
+            <a:r>
+              <a:rPr lang="en-US" sz="3000" i="1" dirty="0"/>
+              <a:t> </a:t>
+            </a:r>
+            <a:r>
+              <a:rPr lang="en-US" sz="3000" i="1" dirty="0" err="1"/>
+              <a:t>în</a:t>
+            </a:r>
+            <a:r>
+              <a:rPr lang="en-US" sz="3000" i="1" dirty="0"/>
+              <a:t> Cloud Computing </a:t>
+            </a:r>
+            <a:r>
+              <a:rPr lang="en-US" sz="3000" i="1" dirty="0" err="1"/>
+              <a:t>în</a:t>
+            </a:r>
+            <a:r>
+              <a:rPr lang="en-US" sz="3000" i="1" dirty="0"/>
+              <a:t> </a:t>
+            </a:r>
+            <a:r>
+              <a:rPr lang="en-US" sz="3000" i="1" dirty="0" err="1"/>
+              <a:t>vederea</a:t>
+            </a:r>
+            <a:r>
+              <a:rPr lang="en-US" sz="3000" i="1" dirty="0"/>
+              <a:t> </a:t>
+            </a:r>
+            <a:r>
+              <a:rPr lang="en-US" sz="3000" i="1" dirty="0" err="1"/>
+              <a:t>îmbunătățirii</a:t>
+            </a:r>
+            <a:r>
+              <a:rPr lang="en-US" sz="3000" i="1" dirty="0"/>
+              <a:t> </a:t>
+            </a:r>
+            <a:r>
+              <a:rPr lang="en-US" sz="3000" i="1" dirty="0" err="1"/>
+              <a:t>performanței</a:t>
+            </a:r>
+            <a:r>
+              <a:rPr lang="en-US" sz="3000" i="1" dirty="0"/>
+              <a:t> </a:t>
+            </a:r>
+            <a:r>
+              <a:rPr lang="en-US" sz="3000" i="1" dirty="0" err="1"/>
+              <a:t>și</a:t>
+            </a:r>
+            <a:r>
+              <a:rPr lang="en-US" sz="3000" i="1" dirty="0"/>
+              <a:t> </a:t>
+            </a:r>
+            <a:r>
+              <a:rPr lang="en-US" sz="3000" i="1" dirty="0" err="1"/>
+              <a:t>eficienței</a:t>
+            </a:r>
+            <a:r>
+              <a:rPr lang="en-US" sz="3000" i="1" dirty="0"/>
+              <a:t> </a:t>
+            </a:r>
+            <a:r>
+              <a:rPr lang="en-US" sz="3000" i="1" dirty="0" err="1"/>
+              <a:t>energetice</a:t>
+            </a:r>
+            <a:r>
+              <a:rPr lang="en-US" sz="3000" i="1" dirty="0"/>
+              <a:t> </a:t>
+            </a:r>
+            <a:endParaRPr lang="en-US" sz="3000" dirty="0"/>
           </a:p>
         </p:txBody>
       </p:sp>
@@ -9555,22 +9655,30 @@
           <a:lstStyle/>
           <a:p>
             <a:r>
-              <a:rPr lang="en-US" sz="4000">
+              <a:rPr lang="en-US" sz="4000" dirty="0" err="1">
                 <a:solidFill>
                   <a:srgbClr val="FFFFFF"/>
                 </a:solidFill>
               </a:rPr>
-              <a:t>Scopul </a:t>
-            </a:r>
-            <a:r>
-              <a:rPr lang="ro-RO" sz="4000">
+              <a:t>Scopul</a:t>
+            </a:r>
+            <a:r>
+              <a:rPr lang="en-US" sz="4000" dirty="0">
+                <a:solidFill>
+                  <a:srgbClr val="FFFFFF"/>
+                </a:solidFill>
+              </a:rPr>
+              <a:t> </a:t>
+            </a:r>
+            <a:r>
+              <a:rPr lang="ro-RO" sz="4000" dirty="0">
                 <a:solidFill>
                   <a:srgbClr val="FFFFFF"/>
                 </a:solidFill>
               </a:rPr>
               <a:t>și obiectivele proiectului</a:t>
             </a:r>
-            <a:endParaRPr lang="en-US" sz="4000">
+            <a:endParaRPr lang="en-US" sz="4000" dirty="0">
               <a:solidFill>
                 <a:srgbClr val="FFFFFF"/>
               </a:solidFill>
@@ -11096,7 +11204,7 @@
         </p:blipFill>
         <p:spPr>
           <a:xfrm>
-            <a:off x="2448383" y="2111506"/>
+            <a:off x="2448385" y="2095740"/>
             <a:ext cx="7295230" cy="4304185"/>
           </a:xfrm>
           <a:prstGeom prst="rect">
@@ -13429,14 +13537,14 @@
           <a:lstStyle/>
           <a:p>
             <a:r>
-              <a:rPr lang="ro-RO" sz="4000">
+              <a:rPr lang="ro-RO" sz="4000" dirty="0">
                 <a:solidFill>
                   <a:srgbClr val="FFFFFF"/>
                 </a:solidFill>
               </a:rPr>
               <a:t>Prezentarea soluției</a:t>
             </a:r>
-            <a:endParaRPr lang="en-US" sz="4000">
+            <a:endParaRPr lang="en-US" sz="4000" dirty="0">
               <a:solidFill>
                 <a:srgbClr val="FFFFFF"/>
               </a:solidFill>
